--- a/PPT/Understanding T-SQL Programming Logic.pptx
+++ b/PPT/Understanding T-SQL Programming Logic.pptx
@@ -17,6 +17,13 @@
     <p:sldId id="265" r:id="rId11"/>
     <p:sldId id="266" r:id="rId12"/>
     <p:sldId id="267" r:id="rId13"/>
+    <p:sldId id="268" r:id="rId14"/>
+    <p:sldId id="269" r:id="rId15"/>
+    <p:sldId id="270" r:id="rId16"/>
+    <p:sldId id="271" r:id="rId17"/>
+    <p:sldId id="272" r:id="rId18"/>
+    <p:sldId id="273" r:id="rId19"/>
+    <p:sldId id="274" r:id="rId20"/>
   </p:sldIdLst>
   <p:sldSz cx="12192000" cy="6858000"/>
   <p:notesSz cx="6858000" cy="9144000"/>
@@ -115,6 +122,11 @@
       </a:defRPr>
     </a:lvl9pPr>
   </p:defaultTextStyle>
+  <p:extLst>
+    <p:ext uri="{EFAFB233-063F-42B5-8137-9DF3F51BA10A}">
+      <p15:sldGuideLst xmlns:p15="http://schemas.microsoft.com/office/powerpoint/2012/main"/>
+    </p:ext>
+  </p:extLst>
 </p:presentation>
 </file>
 
@@ -289,7 +301,7 @@
           <a:p>
             <a:fld id="{48A87A34-81AB-432B-8DAE-1953F412C126}" type="datetimeFigureOut">
               <a:rPr lang="en-US" dirty="0"/>
-              <a:t>11/2/2017</a:t>
+              <a:t>11/5/2017</a:t>
             </a:fld>
             <a:endParaRPr lang="en-US" dirty="0"/>
           </a:p>
@@ -596,7 +608,7 @@
           <a:p>
             <a:fld id="{48A87A34-81AB-432B-8DAE-1953F412C126}" type="datetimeFigureOut">
               <a:rPr lang="en-US" dirty="0"/>
-              <a:t>11/2/2017</a:t>
+              <a:t>11/5/2017</a:t>
             </a:fld>
             <a:endParaRPr lang="en-US" dirty="0"/>
           </a:p>
@@ -813,7 +825,7 @@
           <a:p>
             <a:fld id="{48A87A34-81AB-432B-8DAE-1953F412C126}" type="datetimeFigureOut">
               <a:rPr lang="en-US" dirty="0"/>
-              <a:t>11/2/2017</a:t>
+              <a:t>11/5/2017</a:t>
             </a:fld>
             <a:endParaRPr lang="en-US" dirty="0"/>
           </a:p>
@@ -1099,7 +1111,7 @@
           <a:p>
             <a:fld id="{48A87A34-81AB-432B-8DAE-1953F412C126}" type="datetimeFigureOut">
               <a:rPr lang="en-US" dirty="0"/>
-              <a:t>11/2/2017</a:t>
+              <a:t>11/5/2017</a:t>
             </a:fld>
             <a:endParaRPr lang="en-US" dirty="0"/>
           </a:p>
@@ -1548,7 +1560,7 @@
           <a:p>
             <a:fld id="{48A87A34-81AB-432B-8DAE-1953F412C126}" type="datetimeFigureOut">
               <a:rPr lang="en-US" dirty="0"/>
-              <a:t>11/2/2017</a:t>
+              <a:t>11/5/2017</a:t>
             </a:fld>
             <a:endParaRPr lang="en-US" dirty="0"/>
           </a:p>
@@ -2119,7 +2131,7 @@
           <a:p>
             <a:fld id="{48A87A34-81AB-432B-8DAE-1953F412C126}" type="datetimeFigureOut">
               <a:rPr lang="en-US" dirty="0"/>
-              <a:t>11/2/2017</a:t>
+              <a:t>11/5/2017</a:t>
             </a:fld>
             <a:endParaRPr lang="en-US" dirty="0"/>
           </a:p>
@@ -2966,7 +2978,7 @@
           <a:p>
             <a:fld id="{48A87A34-81AB-432B-8DAE-1953F412C126}" type="datetimeFigureOut">
               <a:rPr lang="en-US" dirty="0"/>
-              <a:t>11/2/2017</a:t>
+              <a:t>11/5/2017</a:t>
             </a:fld>
             <a:endParaRPr lang="en-US" dirty="0"/>
           </a:p>
@@ -3166,7 +3178,7 @@
           <a:p>
             <a:fld id="{48A87A34-81AB-432B-8DAE-1953F412C126}" type="datetimeFigureOut">
               <a:rPr lang="en-US" dirty="0"/>
-              <a:t>11/2/2017</a:t>
+              <a:t>11/5/2017</a:t>
             </a:fld>
             <a:endParaRPr lang="en-US" dirty="0"/>
           </a:p>
@@ -3375,7 +3387,7 @@
           <a:p>
             <a:fld id="{48A87A34-81AB-432B-8DAE-1953F412C126}" type="datetimeFigureOut">
               <a:rPr lang="en-US" dirty="0"/>
-              <a:t>11/2/2017</a:t>
+              <a:t>11/5/2017</a:t>
             </a:fld>
             <a:endParaRPr lang="en-US" dirty="0"/>
           </a:p>
@@ -3575,7 +3587,7 @@
           <a:p>
             <a:fld id="{48A87A34-81AB-432B-8DAE-1953F412C126}" type="datetimeFigureOut">
               <a:rPr lang="en-US" dirty="0"/>
-              <a:t>11/2/2017</a:t>
+              <a:t>11/5/2017</a:t>
             </a:fld>
             <a:endParaRPr lang="en-US" dirty="0"/>
           </a:p>
@@ -3850,7 +3862,7 @@
           <a:p>
             <a:fld id="{48A87A34-81AB-432B-8DAE-1953F412C126}" type="datetimeFigureOut">
               <a:rPr lang="en-US" dirty="0"/>
-              <a:t>11/2/2017</a:t>
+              <a:t>11/5/2017</a:t>
             </a:fld>
             <a:endParaRPr lang="en-US" dirty="0"/>
           </a:p>
@@ -4112,7 +4124,7 @@
           <a:p>
             <a:fld id="{48A87A34-81AB-432B-8DAE-1953F412C126}" type="datetimeFigureOut">
               <a:rPr lang="en-US" dirty="0"/>
-              <a:t>11/2/2017</a:t>
+              <a:t>11/5/2017</a:t>
             </a:fld>
             <a:endParaRPr lang="en-US" dirty="0"/>
           </a:p>
@@ -4522,7 +4534,7 @@
           <a:p>
             <a:fld id="{48A87A34-81AB-432B-8DAE-1953F412C126}" type="datetimeFigureOut">
               <a:rPr lang="en-US" dirty="0"/>
-              <a:t>11/2/2017</a:t>
+              <a:t>11/5/2017</a:t>
             </a:fld>
             <a:endParaRPr lang="en-US" dirty="0"/>
           </a:p>
@@ -4665,7 +4677,7 @@
           <a:p>
             <a:fld id="{48A87A34-81AB-432B-8DAE-1953F412C126}" type="datetimeFigureOut">
               <a:rPr lang="en-US" dirty="0"/>
-              <a:t>11/2/2017</a:t>
+              <a:t>11/5/2017</a:t>
             </a:fld>
             <a:endParaRPr lang="en-US" dirty="0"/>
           </a:p>
@@ -4785,7 +4797,7 @@
           <a:p>
             <a:fld id="{48A87A34-81AB-432B-8DAE-1953F412C126}" type="datetimeFigureOut">
               <a:rPr lang="en-US" dirty="0"/>
-              <a:t>11/2/2017</a:t>
+              <a:t>11/5/2017</a:t>
             </a:fld>
             <a:endParaRPr lang="en-US" dirty="0"/>
           </a:p>
@@ -5059,7 +5071,7 @@
           <a:p>
             <a:fld id="{48A87A34-81AB-432B-8DAE-1953F412C126}" type="datetimeFigureOut">
               <a:rPr lang="en-US" dirty="0"/>
-              <a:t>11/2/2017</a:t>
+              <a:t>11/5/2017</a:t>
             </a:fld>
             <a:endParaRPr lang="en-US" dirty="0"/>
           </a:p>
@@ -5366,7 +5378,7 @@
           <a:p>
             <a:fld id="{48A87A34-81AB-432B-8DAE-1953F412C126}" type="datetimeFigureOut">
               <a:rPr lang="en-US" dirty="0"/>
-              <a:t>11/2/2017</a:t>
+              <a:t>11/5/2017</a:t>
             </a:fld>
             <a:endParaRPr lang="en-US" dirty="0"/>
           </a:p>
@@ -5615,7 +5627,7 @@
             <a:fld id="{48A87A34-81AB-432B-8DAE-1953F412C126}" type="datetimeFigureOut">
               <a:rPr lang="en-US" dirty="0"/>
               <a:pPr/>
-              <a:t>11/2/2017</a:t>
+              <a:t>11/5/2017</a:t>
             </a:fld>
             <a:endParaRPr lang="en-US" dirty="0"/>
           </a:p>
@@ -6154,7 +6166,6 @@
               <a:rPr lang="sl-SI" dirty="0"/>
               <a:t>WHILE</a:t>
             </a:r>
-            <a:endParaRPr lang="sl-SI" dirty="0"/>
           </a:p>
         </p:txBody>
       </p:sp>
@@ -6339,7 +6350,6 @@
               <a:rPr lang="sl-SI" dirty="0"/>
               <a:t>Using CONTINUE</a:t>
             </a:r>
-            <a:endParaRPr lang="sl-SI" dirty="0"/>
           </a:p>
         </p:txBody>
       </p:sp>
@@ -6611,6 +6621,1030 @@
 </p:sld>
 </file>
 
+<file path=ppt/slides/slide13.xml><?xml version="1.0" encoding="utf-8"?>
+<p:sld xmlns:a="http://schemas.openxmlformats.org/drawingml/2006/main" xmlns:r="http://schemas.openxmlformats.org/officeDocument/2006/relationships" xmlns:p="http://schemas.openxmlformats.org/presentationml/2006/main">
+  <p:cSld>
+    <p:spTree>
+      <p:nvGrpSpPr>
+        <p:cNvPr id="1" name=""/>
+        <p:cNvGrpSpPr/>
+        <p:nvPr/>
+      </p:nvGrpSpPr>
+      <p:grpSpPr>
+        <a:xfrm>
+          <a:off x="0" y="0"/>
+          <a:ext cx="0" cy="0"/>
+          <a:chOff x="0" y="0"/>
+          <a:chExt cx="0" cy="0"/>
+        </a:xfrm>
+      </p:grpSpPr>
+      <p:sp>
+        <p:nvSpPr>
+          <p:cNvPr id="2" name="Title 1"/>
+          <p:cNvSpPr>
+            <a:spLocks noGrp="1"/>
+          </p:cNvSpPr>
+          <p:nvPr>
+            <p:ph type="title"/>
+          </p:nvPr>
+        </p:nvSpPr>
+        <p:spPr/>
+        <p:txBody>
+          <a:bodyPr/>
+          <a:lstStyle/>
+          <a:p>
+            <a:r>
+              <a:rPr lang="sl-SI" dirty="0"/>
+              <a:t>Error Handling</a:t>
+            </a:r>
+            <a:endParaRPr lang="sl-SI" dirty="0"/>
+          </a:p>
+        </p:txBody>
+      </p:sp>
+      <p:sp>
+        <p:nvSpPr>
+          <p:cNvPr id="3" name="Content Placeholder 2"/>
+          <p:cNvSpPr>
+            <a:spLocks noGrp="1"/>
+          </p:cNvSpPr>
+          <p:nvPr>
+            <p:ph sz="quarter" idx="13"/>
+          </p:nvPr>
+        </p:nvSpPr>
+        <p:spPr/>
+        <p:txBody>
+          <a:bodyPr>
+            <a:normAutofit fontScale="77500" lnSpcReduction="20000"/>
+          </a:bodyPr>
+          <a:lstStyle/>
+          <a:p>
+            <a:r>
+              <a:rPr lang="sl-SI" dirty="0"/>
+              <a:t>Using @@</a:t>
+            </a:r>
+            <a:r>
+              <a:rPr lang="sl-SI" dirty="0" smtClean="0"/>
+              <a:t>ERROR</a:t>
+            </a:r>
+          </a:p>
+          <a:p>
+            <a:r>
+              <a:rPr lang="en-US" dirty="0"/>
+              <a:t>The @@ERROR function returns a number greater than zero if an error exists</a:t>
+            </a:r>
+            <a:r>
+              <a:rPr lang="en-US" dirty="0" smtClean="0"/>
+              <a:t>.</a:t>
+            </a:r>
+            <a:endParaRPr lang="sl-SI" dirty="0" smtClean="0"/>
+          </a:p>
+          <a:p>
+            <a:r>
+              <a:rPr lang="sl-SI" dirty="0"/>
+              <a:t>Using TRY … </a:t>
+            </a:r>
+            <a:r>
+              <a:rPr lang="sl-SI" dirty="0" smtClean="0"/>
+              <a:t>CATCH</a:t>
+            </a:r>
+          </a:p>
+          <a:p>
+            <a:pPr marL="0" indent="0">
+              <a:buNone/>
+            </a:pPr>
+            <a:r>
+              <a:rPr lang="sl-SI" dirty="0" smtClean="0"/>
+              <a:t>   BEGIN </a:t>
+            </a:r>
+            <a:r>
+              <a:rPr lang="sl-SI" dirty="0"/>
+              <a:t>TRY</a:t>
+            </a:r>
+          </a:p>
+          <a:p>
+            <a:pPr marL="0" indent="0">
+              <a:buNone/>
+            </a:pPr>
+            <a:r>
+              <a:rPr lang="sl-SI" dirty="0" smtClean="0"/>
+              <a:t>   </a:t>
+            </a:r>
+            <a:r>
+              <a:rPr lang="en-US" dirty="0" smtClean="0"/>
+              <a:t>&lt;</a:t>
+            </a:r>
+            <a:r>
+              <a:rPr lang="en-US" dirty="0"/>
+              <a:t>statements that might cause an error&gt;</a:t>
+            </a:r>
+          </a:p>
+          <a:p>
+            <a:pPr marL="0" indent="0">
+              <a:buNone/>
+            </a:pPr>
+            <a:r>
+              <a:rPr lang="sl-SI" dirty="0" smtClean="0"/>
+              <a:t>   END </a:t>
+            </a:r>
+            <a:r>
+              <a:rPr lang="sl-SI" dirty="0"/>
+              <a:t>TRY</a:t>
+            </a:r>
+          </a:p>
+          <a:p>
+            <a:pPr marL="0" indent="0">
+              <a:buNone/>
+            </a:pPr>
+            <a:r>
+              <a:rPr lang="sl-SI" dirty="0" smtClean="0"/>
+              <a:t>   BEGIN </a:t>
+            </a:r>
+            <a:r>
+              <a:rPr lang="sl-SI" dirty="0"/>
+              <a:t>CATCH</a:t>
+            </a:r>
+          </a:p>
+          <a:p>
+            <a:pPr marL="0" indent="0">
+              <a:buNone/>
+            </a:pPr>
+            <a:r>
+              <a:rPr lang="sl-SI" dirty="0" smtClean="0"/>
+              <a:t>   </a:t>
+            </a:r>
+            <a:r>
+              <a:rPr lang="en-US" dirty="0" smtClean="0"/>
+              <a:t>&lt;</a:t>
+            </a:r>
+            <a:r>
+              <a:rPr lang="en-US" dirty="0"/>
+              <a:t>statements to access error information and deal with the error&gt;</a:t>
+            </a:r>
+          </a:p>
+          <a:p>
+            <a:pPr marL="0" indent="0">
+              <a:buNone/>
+            </a:pPr>
+            <a:r>
+              <a:rPr lang="sl-SI" dirty="0" smtClean="0"/>
+              <a:t>   END </a:t>
+            </a:r>
+            <a:r>
+              <a:rPr lang="sl-SI" dirty="0"/>
+              <a:t>CATCH</a:t>
+            </a:r>
+            <a:endParaRPr lang="sl-SI" dirty="0"/>
+          </a:p>
+        </p:txBody>
+      </p:sp>
+    </p:spTree>
+    <p:extLst>
+      <p:ext uri="{BB962C8B-B14F-4D97-AF65-F5344CB8AC3E}">
+        <p14:creationId xmlns:p14="http://schemas.microsoft.com/office/powerpoint/2010/main" val="291763245"/>
+      </p:ext>
+    </p:extLst>
+  </p:cSld>
+  <p:clrMapOvr>
+    <a:masterClrMapping/>
+  </p:clrMapOvr>
+</p:sld>
+</file>
+
+<file path=ppt/slides/slide14.xml><?xml version="1.0" encoding="utf-8"?>
+<p:sld xmlns:a="http://schemas.openxmlformats.org/drawingml/2006/main" xmlns:r="http://schemas.openxmlformats.org/officeDocument/2006/relationships" xmlns:p="http://schemas.openxmlformats.org/presentationml/2006/main">
+  <p:cSld>
+    <p:spTree>
+      <p:nvGrpSpPr>
+        <p:cNvPr id="1" name=""/>
+        <p:cNvGrpSpPr/>
+        <p:nvPr/>
+      </p:nvGrpSpPr>
+      <p:grpSpPr>
+        <a:xfrm>
+          <a:off x="0" y="0"/>
+          <a:ext cx="0" cy="0"/>
+          <a:chOff x="0" y="0"/>
+          <a:chExt cx="0" cy="0"/>
+        </a:xfrm>
+      </p:grpSpPr>
+      <p:sp>
+        <p:nvSpPr>
+          <p:cNvPr id="2" name="Title 1"/>
+          <p:cNvSpPr>
+            <a:spLocks noGrp="1"/>
+          </p:cNvSpPr>
+          <p:nvPr>
+            <p:ph type="title"/>
+          </p:nvPr>
+        </p:nvSpPr>
+        <p:spPr/>
+        <p:txBody>
+          <a:bodyPr/>
+          <a:lstStyle/>
+          <a:p>
+            <a:endParaRPr lang="sl-SI"/>
+          </a:p>
+        </p:txBody>
+      </p:sp>
+      <p:sp>
+        <p:nvSpPr>
+          <p:cNvPr id="3" name="Content Placeholder 2"/>
+          <p:cNvSpPr>
+            <a:spLocks noGrp="1"/>
+          </p:cNvSpPr>
+          <p:nvPr>
+            <p:ph sz="quarter" idx="13"/>
+          </p:nvPr>
+        </p:nvSpPr>
+        <p:spPr/>
+        <p:txBody>
+          <a:bodyPr/>
+          <a:lstStyle/>
+          <a:p>
+            <a:endParaRPr lang="sl-SI"/>
+          </a:p>
+        </p:txBody>
+      </p:sp>
+      <p:pic>
+        <p:nvPicPr>
+          <p:cNvPr id="4" name="Picture 3"/>
+          <p:cNvPicPr>
+            <a:picLocks noChangeAspect="1"/>
+          </p:cNvPicPr>
+          <p:nvPr/>
+        </p:nvPicPr>
+        <p:blipFill>
+          <a:blip r:embed="rId2"/>
+          <a:stretch>
+            <a:fillRect/>
+          </a:stretch>
+        </p:blipFill>
+        <p:spPr>
+          <a:xfrm>
+            <a:off x="667293" y="618517"/>
+            <a:ext cx="11167577" cy="4685621"/>
+          </a:xfrm>
+          <a:prstGeom prst="rect">
+            <a:avLst/>
+          </a:prstGeom>
+        </p:spPr>
+      </p:pic>
+    </p:spTree>
+    <p:extLst>
+      <p:ext uri="{BB962C8B-B14F-4D97-AF65-F5344CB8AC3E}">
+        <p14:creationId xmlns:p14="http://schemas.microsoft.com/office/powerpoint/2010/main" val="944993190"/>
+      </p:ext>
+    </p:extLst>
+  </p:cSld>
+  <p:clrMapOvr>
+    <a:masterClrMapping/>
+  </p:clrMapOvr>
+</p:sld>
+</file>
+
+<file path=ppt/slides/slide15.xml><?xml version="1.0" encoding="utf-8"?>
+<p:sld xmlns:a="http://schemas.openxmlformats.org/drawingml/2006/main" xmlns:r="http://schemas.openxmlformats.org/officeDocument/2006/relationships" xmlns:p="http://schemas.openxmlformats.org/presentationml/2006/main">
+  <p:cSld>
+    <p:spTree>
+      <p:nvGrpSpPr>
+        <p:cNvPr id="1" name=""/>
+        <p:cNvGrpSpPr/>
+        <p:nvPr/>
+      </p:nvGrpSpPr>
+      <p:grpSpPr>
+        <a:xfrm>
+          <a:off x="0" y="0"/>
+          <a:ext cx="0" cy="0"/>
+          <a:chOff x="0" y="0"/>
+          <a:chExt cx="0" cy="0"/>
+        </a:xfrm>
+      </p:grpSpPr>
+      <p:sp>
+        <p:nvSpPr>
+          <p:cNvPr id="2" name="Title 1"/>
+          <p:cNvSpPr>
+            <a:spLocks noGrp="1"/>
+          </p:cNvSpPr>
+          <p:nvPr>
+            <p:ph type="title"/>
+          </p:nvPr>
+        </p:nvSpPr>
+        <p:spPr/>
+        <p:txBody>
+          <a:bodyPr/>
+          <a:lstStyle/>
+          <a:p>
+            <a:endParaRPr lang="sl-SI"/>
+          </a:p>
+        </p:txBody>
+      </p:sp>
+      <p:sp>
+        <p:nvSpPr>
+          <p:cNvPr id="3" name="Content Placeholder 2"/>
+          <p:cNvSpPr>
+            <a:spLocks noGrp="1"/>
+          </p:cNvSpPr>
+          <p:nvPr>
+            <p:ph sz="quarter" idx="13"/>
+          </p:nvPr>
+        </p:nvSpPr>
+        <p:spPr/>
+        <p:txBody>
+          <a:bodyPr/>
+          <a:lstStyle/>
+          <a:p>
+            <a:r>
+              <a:rPr lang="sl-SI" dirty="0"/>
+              <a:t>RAISERROR(&lt;message&gt;,&lt;severity&gt;,&lt;state</a:t>
+            </a:r>
+            <a:r>
+              <a:rPr lang="sl-SI" dirty="0" smtClean="0"/>
+              <a:t>&gt;)</a:t>
+            </a:r>
+          </a:p>
+          <a:p>
+            <a:r>
+              <a:rPr lang="sl-SI" dirty="0"/>
+              <a:t>Using TRY…CATCH with </a:t>
+            </a:r>
+            <a:r>
+              <a:rPr lang="sl-SI" dirty="0" smtClean="0"/>
+              <a:t>Transactions</a:t>
+            </a:r>
+          </a:p>
+          <a:p>
+            <a:r>
+              <a:rPr lang="en-US" dirty="0"/>
+              <a:t>Using THROW Instead of </a:t>
+            </a:r>
+            <a:r>
+              <a:rPr lang="en-US" dirty="0" smtClean="0"/>
+              <a:t>RAISERROR</a:t>
+            </a:r>
+            <a:endParaRPr lang="sl-SI" dirty="0" smtClean="0"/>
+          </a:p>
+          <a:p>
+            <a:pPr marL="0" indent="0">
+              <a:buNone/>
+            </a:pPr>
+            <a:r>
+              <a:rPr lang="sl-SI" dirty="0" smtClean="0"/>
+              <a:t>   THROW </a:t>
+            </a:r>
+            <a:r>
+              <a:rPr lang="sl-SI" dirty="0"/>
+              <a:t>[ { error_number | message | state } ] [ ; </a:t>
+            </a:r>
+            <a:r>
+              <a:rPr lang="sl-SI" dirty="0" smtClean="0"/>
+              <a:t>]</a:t>
+            </a:r>
+          </a:p>
+          <a:p>
+            <a:pPr marL="0" indent="0">
+              <a:buNone/>
+            </a:pPr>
+            <a:r>
+              <a:rPr lang="en-US" dirty="0"/>
+              <a:t>Keep in mind the statement prior to the THROW command must end in a </a:t>
+            </a:r>
+            <a:r>
+              <a:rPr lang="en-US" dirty="0" smtClean="0"/>
+              <a:t>semicolon</a:t>
+            </a:r>
+            <a:r>
+              <a:rPr lang="sl-SI" dirty="0" smtClean="0"/>
+              <a:t>!</a:t>
+            </a:r>
+            <a:endParaRPr lang="sl-SI" dirty="0"/>
+          </a:p>
+        </p:txBody>
+      </p:sp>
+    </p:spTree>
+    <p:extLst>
+      <p:ext uri="{BB962C8B-B14F-4D97-AF65-F5344CB8AC3E}">
+        <p14:creationId xmlns:p14="http://schemas.microsoft.com/office/powerpoint/2010/main" val="1597249754"/>
+      </p:ext>
+    </p:extLst>
+  </p:cSld>
+  <p:clrMapOvr>
+    <a:masterClrMapping/>
+  </p:clrMapOvr>
+</p:sld>
+</file>
+
+<file path=ppt/slides/slide16.xml><?xml version="1.0" encoding="utf-8"?>
+<p:sld xmlns:a="http://schemas.openxmlformats.org/drawingml/2006/main" xmlns:r="http://schemas.openxmlformats.org/officeDocument/2006/relationships" xmlns:p="http://schemas.openxmlformats.org/presentationml/2006/main">
+  <p:cSld>
+    <p:spTree>
+      <p:nvGrpSpPr>
+        <p:cNvPr id="1" name=""/>
+        <p:cNvGrpSpPr/>
+        <p:nvPr/>
+      </p:nvGrpSpPr>
+      <p:grpSpPr>
+        <a:xfrm>
+          <a:off x="0" y="0"/>
+          <a:ext cx="0" cy="0"/>
+          <a:chOff x="0" y="0"/>
+          <a:chExt cx="0" cy="0"/>
+        </a:xfrm>
+      </p:grpSpPr>
+      <p:sp>
+        <p:nvSpPr>
+          <p:cNvPr id="2" name="Title 1"/>
+          <p:cNvSpPr>
+            <a:spLocks noGrp="1"/>
+          </p:cNvSpPr>
+          <p:nvPr>
+            <p:ph type="title"/>
+          </p:nvPr>
+        </p:nvSpPr>
+        <p:spPr/>
+        <p:txBody>
+          <a:bodyPr/>
+          <a:lstStyle/>
+          <a:p>
+            <a:r>
+              <a:rPr lang="sl-SI" dirty="0" smtClean="0"/>
+              <a:t>EXCERCISE</a:t>
+            </a:r>
+            <a:endParaRPr lang="sl-SI" dirty="0"/>
+          </a:p>
+        </p:txBody>
+      </p:sp>
+      <p:sp>
+        <p:nvSpPr>
+          <p:cNvPr id="3" name="Content Placeholder 2"/>
+          <p:cNvSpPr>
+            <a:spLocks noGrp="1"/>
+          </p:cNvSpPr>
+          <p:nvPr>
+            <p:ph sz="quarter" idx="13"/>
+          </p:nvPr>
+        </p:nvSpPr>
+        <p:spPr/>
+        <p:txBody>
+          <a:bodyPr>
+            <a:normAutofit/>
+          </a:bodyPr>
+          <a:lstStyle/>
+          <a:p>
+            <a:r>
+              <a:rPr lang="en-US" dirty="0"/>
+              <a:t>1. Write a statement that attempts to insert a duplicate row into </a:t>
+            </a:r>
+            <a:r>
+              <a:rPr lang="en-US" dirty="0" smtClean="0"/>
+              <a:t>the</a:t>
+            </a:r>
+            <a:r>
+              <a:rPr lang="sl-SI" dirty="0" smtClean="0"/>
+              <a:t> </a:t>
+            </a:r>
+            <a:r>
+              <a:rPr lang="en-US" dirty="0" err="1" smtClean="0"/>
+              <a:t>HumanResources.Department</a:t>
+            </a:r>
+            <a:r>
+              <a:rPr lang="en-US" dirty="0" smtClean="0"/>
+              <a:t> </a:t>
+            </a:r>
+            <a:r>
+              <a:rPr lang="en-US" dirty="0"/>
+              <a:t>table. Use the @@ERROR function to display the error.</a:t>
+            </a:r>
+          </a:p>
+          <a:p>
+            <a:r>
+              <a:rPr lang="en-US" dirty="0"/>
+              <a:t>2. Change the code you wrote in question 1 to use TRY…CATCH. Display the </a:t>
+            </a:r>
+            <a:r>
+              <a:rPr lang="en-US" dirty="0" smtClean="0"/>
+              <a:t>error</a:t>
+            </a:r>
+            <a:r>
+              <a:rPr lang="sl-SI" dirty="0" smtClean="0"/>
+              <a:t> number</a:t>
+            </a:r>
+            <a:r>
+              <a:rPr lang="sl-SI" dirty="0"/>
+              <a:t>, message, and severity.</a:t>
+            </a:r>
+          </a:p>
+          <a:p>
+            <a:r>
+              <a:rPr lang="en-US" dirty="0"/>
+              <a:t>3. Change the code you wrote in question 2 to raise a custom error message </a:t>
+            </a:r>
+            <a:r>
+              <a:rPr lang="en-US" dirty="0" smtClean="0"/>
+              <a:t>instead</a:t>
+            </a:r>
+            <a:r>
+              <a:rPr lang="sl-SI" dirty="0" smtClean="0"/>
+              <a:t> </a:t>
+            </a:r>
+            <a:r>
+              <a:rPr lang="en-US" dirty="0" smtClean="0"/>
+              <a:t>of </a:t>
+            </a:r>
+            <a:r>
+              <a:rPr lang="en-US" dirty="0"/>
+              <a:t>the actual error message.</a:t>
+            </a:r>
+            <a:endParaRPr lang="sl-SI" dirty="0"/>
+          </a:p>
+        </p:txBody>
+      </p:sp>
+    </p:spTree>
+    <p:extLst>
+      <p:ext uri="{BB962C8B-B14F-4D97-AF65-F5344CB8AC3E}">
+        <p14:creationId xmlns:p14="http://schemas.microsoft.com/office/powerpoint/2010/main" val="2427356963"/>
+      </p:ext>
+    </p:extLst>
+  </p:cSld>
+  <p:clrMapOvr>
+    <a:masterClrMapping/>
+  </p:clrMapOvr>
+</p:sld>
+</file>
+
+<file path=ppt/slides/slide17.xml><?xml version="1.0" encoding="utf-8"?>
+<p:sld xmlns:a="http://schemas.openxmlformats.org/drawingml/2006/main" xmlns:r="http://schemas.openxmlformats.org/officeDocument/2006/relationships" xmlns:p="http://schemas.openxmlformats.org/presentationml/2006/main">
+  <p:cSld>
+    <p:spTree>
+      <p:nvGrpSpPr>
+        <p:cNvPr id="1" name=""/>
+        <p:cNvGrpSpPr/>
+        <p:nvPr/>
+      </p:nvGrpSpPr>
+      <p:grpSpPr>
+        <a:xfrm>
+          <a:off x="0" y="0"/>
+          <a:ext cx="0" cy="0"/>
+          <a:chOff x="0" y="0"/>
+          <a:chExt cx="0" cy="0"/>
+        </a:xfrm>
+      </p:grpSpPr>
+      <p:sp>
+        <p:nvSpPr>
+          <p:cNvPr id="2" name="Title 1"/>
+          <p:cNvSpPr>
+            <a:spLocks noGrp="1"/>
+          </p:cNvSpPr>
+          <p:nvPr>
+            <p:ph type="title"/>
+          </p:nvPr>
+        </p:nvSpPr>
+        <p:spPr/>
+        <p:txBody>
+          <a:bodyPr/>
+          <a:lstStyle/>
+          <a:p>
+            <a:r>
+              <a:rPr lang="en-US" dirty="0"/>
+              <a:t>Temporary Tables and Table Variables</a:t>
+            </a:r>
+            <a:endParaRPr lang="sl-SI" dirty="0"/>
+          </a:p>
+        </p:txBody>
+      </p:sp>
+      <p:sp>
+        <p:nvSpPr>
+          <p:cNvPr id="3" name="Content Placeholder 2"/>
+          <p:cNvSpPr>
+            <a:spLocks noGrp="1"/>
+          </p:cNvSpPr>
+          <p:nvPr>
+            <p:ph sz="quarter" idx="13"/>
+          </p:nvPr>
+        </p:nvSpPr>
+        <p:spPr/>
+        <p:txBody>
+          <a:bodyPr/>
+          <a:lstStyle/>
+          <a:p>
+            <a:r>
+              <a:rPr lang="sl-SI" dirty="0"/>
+              <a:t>Creating Local Temp </a:t>
+            </a:r>
+            <a:r>
+              <a:rPr lang="sl-SI" dirty="0" smtClean="0"/>
+              <a:t>Tables (#) (WITHIN CONNECTION)</a:t>
+            </a:r>
+          </a:p>
+          <a:p>
+            <a:r>
+              <a:rPr lang="sl-SI" dirty="0" smtClean="0"/>
+              <a:t>tempDB database</a:t>
+            </a:r>
+          </a:p>
+          <a:p>
+            <a:r>
+              <a:rPr lang="sl-SI" dirty="0" smtClean="0"/>
+              <a:t>INTO</a:t>
+            </a:r>
+          </a:p>
+          <a:p>
+            <a:r>
+              <a:rPr lang="sl-SI" dirty="0"/>
+              <a:t>CREATE TABLE #tableName (&lt;col1&gt; &lt;data type&gt;,&lt;col2&gt; &lt;data type</a:t>
+            </a:r>
+            <a:r>
+              <a:rPr lang="sl-SI" dirty="0" smtClean="0"/>
+              <a:t>&gt;)</a:t>
+            </a:r>
+          </a:p>
+          <a:p>
+            <a:r>
+              <a:rPr lang="sl-SI" dirty="0"/>
+              <a:t>Creating Global Temp </a:t>
+            </a:r>
+            <a:r>
+              <a:rPr lang="sl-SI" dirty="0" smtClean="0"/>
+              <a:t>Tables (ALL CONNECTIONS)</a:t>
+            </a:r>
+            <a:endParaRPr lang="sl-SI" dirty="0"/>
+          </a:p>
+        </p:txBody>
+      </p:sp>
+    </p:spTree>
+    <p:extLst>
+      <p:ext uri="{BB962C8B-B14F-4D97-AF65-F5344CB8AC3E}">
+        <p14:creationId xmlns:p14="http://schemas.microsoft.com/office/powerpoint/2010/main" val="4294124635"/>
+      </p:ext>
+    </p:extLst>
+  </p:cSld>
+  <p:clrMapOvr>
+    <a:masterClrMapping/>
+  </p:clrMapOvr>
+</p:sld>
+</file>
+
+<file path=ppt/slides/slide18.xml><?xml version="1.0" encoding="utf-8"?>
+<p:sld xmlns:a="http://schemas.openxmlformats.org/drawingml/2006/main" xmlns:r="http://schemas.openxmlformats.org/officeDocument/2006/relationships" xmlns:p="http://schemas.openxmlformats.org/presentationml/2006/main">
+  <p:cSld>
+    <p:spTree>
+      <p:nvGrpSpPr>
+        <p:cNvPr id="1" name=""/>
+        <p:cNvGrpSpPr/>
+        <p:nvPr/>
+      </p:nvGrpSpPr>
+      <p:grpSpPr>
+        <a:xfrm>
+          <a:off x="0" y="0"/>
+          <a:ext cx="0" cy="0"/>
+          <a:chOff x="0" y="0"/>
+          <a:chExt cx="0" cy="0"/>
+        </a:xfrm>
+      </p:grpSpPr>
+      <p:sp>
+        <p:nvSpPr>
+          <p:cNvPr id="2" name="Title 1"/>
+          <p:cNvSpPr>
+            <a:spLocks noGrp="1"/>
+          </p:cNvSpPr>
+          <p:nvPr>
+            <p:ph type="title"/>
+          </p:nvPr>
+        </p:nvSpPr>
+        <p:spPr/>
+        <p:txBody>
+          <a:bodyPr/>
+          <a:lstStyle/>
+          <a:p>
+            <a:endParaRPr lang="sl-SI"/>
+          </a:p>
+        </p:txBody>
+      </p:sp>
+      <p:sp>
+        <p:nvSpPr>
+          <p:cNvPr id="3" name="Content Placeholder 2"/>
+          <p:cNvSpPr>
+            <a:spLocks noGrp="1"/>
+          </p:cNvSpPr>
+          <p:nvPr>
+            <p:ph sz="quarter" idx="13"/>
+          </p:nvPr>
+        </p:nvSpPr>
+        <p:spPr/>
+        <p:txBody>
+          <a:bodyPr/>
+          <a:lstStyle/>
+          <a:p>
+            <a:r>
+              <a:rPr lang="sl-SI" dirty="0"/>
+              <a:t>Creating Table </a:t>
+            </a:r>
+            <a:r>
+              <a:rPr lang="sl-SI" dirty="0" smtClean="0"/>
+              <a:t>Variables</a:t>
+            </a:r>
+          </a:p>
+          <a:p>
+            <a:r>
+              <a:rPr lang="it-IT" dirty="0"/>
+              <a:t>DECLARE @tableName TABLE (&lt;col1&gt; &lt;data type&gt;,&lt;col2&gt; &lt;data type</a:t>
+            </a:r>
+            <a:r>
+              <a:rPr lang="it-IT" dirty="0" smtClean="0"/>
+              <a:t>&gt;)</a:t>
+            </a:r>
+            <a:endParaRPr lang="sl-SI" dirty="0" smtClean="0"/>
+          </a:p>
+          <a:p>
+            <a:r>
+              <a:rPr lang="sl-SI" dirty="0"/>
+              <a:t>Using a </a:t>
+            </a:r>
+            <a:r>
+              <a:rPr lang="sl-SI" dirty="0" smtClean="0"/>
+              <a:t>Cursor (very slow)</a:t>
+            </a:r>
+          </a:p>
+          <a:p>
+            <a:endParaRPr lang="sl-SI" dirty="0"/>
+          </a:p>
+        </p:txBody>
+      </p:sp>
+    </p:spTree>
+    <p:extLst>
+      <p:ext uri="{BB962C8B-B14F-4D97-AF65-F5344CB8AC3E}">
+        <p14:creationId xmlns:p14="http://schemas.microsoft.com/office/powerpoint/2010/main" val="3887582185"/>
+      </p:ext>
+    </p:extLst>
+  </p:cSld>
+  <p:clrMapOvr>
+    <a:masterClrMapping/>
+  </p:clrMapOvr>
+</p:sld>
+</file>
+
+<file path=ppt/slides/slide19.xml><?xml version="1.0" encoding="utf-8"?>
+<p:sld xmlns:a="http://schemas.openxmlformats.org/drawingml/2006/main" xmlns:r="http://schemas.openxmlformats.org/officeDocument/2006/relationships" xmlns:p="http://schemas.openxmlformats.org/presentationml/2006/main">
+  <p:cSld>
+    <p:spTree>
+      <p:nvGrpSpPr>
+        <p:cNvPr id="1" name=""/>
+        <p:cNvGrpSpPr/>
+        <p:nvPr/>
+      </p:nvGrpSpPr>
+      <p:grpSpPr>
+        <a:xfrm>
+          <a:off x="0" y="0"/>
+          <a:ext cx="0" cy="0"/>
+          <a:chOff x="0" y="0"/>
+          <a:chExt cx="0" cy="0"/>
+        </a:xfrm>
+      </p:grpSpPr>
+      <p:sp>
+        <p:nvSpPr>
+          <p:cNvPr id="2" name="Title 1"/>
+          <p:cNvSpPr>
+            <a:spLocks noGrp="1"/>
+          </p:cNvSpPr>
+          <p:nvPr>
+            <p:ph type="title"/>
+          </p:nvPr>
+        </p:nvSpPr>
+        <p:spPr/>
+        <p:txBody>
+          <a:bodyPr/>
+          <a:lstStyle/>
+          <a:p>
+            <a:r>
+              <a:rPr lang="sl-SI" dirty="0" smtClean="0"/>
+              <a:t>excercise</a:t>
+            </a:r>
+            <a:endParaRPr lang="sl-SI" dirty="0"/>
+          </a:p>
+        </p:txBody>
+      </p:sp>
+      <p:sp>
+        <p:nvSpPr>
+          <p:cNvPr id="3" name="Content Placeholder 2"/>
+          <p:cNvSpPr>
+            <a:spLocks noGrp="1"/>
+          </p:cNvSpPr>
+          <p:nvPr>
+            <p:ph sz="quarter" idx="13"/>
+          </p:nvPr>
+        </p:nvSpPr>
+        <p:spPr/>
+        <p:txBody>
+          <a:bodyPr>
+            <a:normAutofit fontScale="85000" lnSpcReduction="10000"/>
+          </a:bodyPr>
+          <a:lstStyle/>
+          <a:p>
+            <a:r>
+              <a:rPr lang="en-US" dirty="0"/>
+              <a:t>1. Create a temp table called #</a:t>
+            </a:r>
+            <a:r>
+              <a:rPr lang="en-US" dirty="0" err="1"/>
+              <a:t>CustomerInfo</a:t>
+            </a:r>
+            <a:r>
+              <a:rPr lang="en-US" dirty="0"/>
+              <a:t> that contains </a:t>
+            </a:r>
+            <a:r>
+              <a:rPr lang="en-US" dirty="0" err="1"/>
+              <a:t>CustomerID</a:t>
+            </a:r>
+            <a:r>
+              <a:rPr lang="en-US" dirty="0"/>
+              <a:t>, </a:t>
+            </a:r>
+            <a:r>
+              <a:rPr lang="en-US" dirty="0" err="1" smtClean="0"/>
+              <a:t>FirstName</a:t>
+            </a:r>
+            <a:r>
+              <a:rPr lang="en-US" dirty="0" smtClean="0"/>
+              <a:t>,</a:t>
+            </a:r>
+            <a:r>
+              <a:rPr lang="sl-SI" dirty="0" smtClean="0"/>
+              <a:t> </a:t>
+            </a:r>
+            <a:r>
+              <a:rPr lang="en-US" dirty="0" smtClean="0"/>
+              <a:t>and </a:t>
+            </a:r>
+            <a:r>
+              <a:rPr lang="en-US" dirty="0" err="1"/>
+              <a:t>LastName</a:t>
+            </a:r>
+            <a:r>
+              <a:rPr lang="en-US" dirty="0"/>
+              <a:t> columns. Include </a:t>
+            </a:r>
+            <a:r>
+              <a:rPr lang="en-US" dirty="0" err="1"/>
+              <a:t>CountOfSales</a:t>
+            </a:r>
+            <a:r>
+              <a:rPr lang="en-US" dirty="0"/>
+              <a:t> and </a:t>
+            </a:r>
+            <a:r>
+              <a:rPr lang="en-US" dirty="0" err="1"/>
+              <a:t>SumOfTotalDue</a:t>
+            </a:r>
+            <a:r>
+              <a:rPr lang="en-US" dirty="0"/>
+              <a:t> </a:t>
+            </a:r>
+            <a:r>
+              <a:rPr lang="en-US" dirty="0" smtClean="0"/>
+              <a:t>columns.</a:t>
+            </a:r>
+            <a:r>
+              <a:rPr lang="sl-SI" dirty="0" smtClean="0"/>
+              <a:t> </a:t>
+            </a:r>
+            <a:r>
+              <a:rPr lang="en-US" dirty="0" smtClean="0"/>
+              <a:t>Populate </a:t>
+            </a:r>
+            <a:r>
+              <a:rPr lang="en-US" dirty="0"/>
+              <a:t>the table with a query using the </a:t>
+            </a:r>
+            <a:r>
+              <a:rPr lang="en-US" dirty="0" err="1"/>
+              <a:t>Sales.Customer</a:t>
+            </a:r>
+            <a:r>
+              <a:rPr lang="en-US" dirty="0"/>
+              <a:t>, </a:t>
+            </a:r>
+            <a:r>
+              <a:rPr lang="en-US" dirty="0" err="1"/>
+              <a:t>Person.Person</a:t>
+            </a:r>
+            <a:r>
+              <a:rPr lang="en-US" dirty="0"/>
+              <a:t>, </a:t>
+            </a:r>
+            <a:r>
+              <a:rPr lang="en-US" dirty="0" smtClean="0"/>
+              <a:t>and</a:t>
+            </a:r>
+            <a:r>
+              <a:rPr lang="sl-SI" dirty="0" smtClean="0"/>
+              <a:t> Sales.SalesOrderHeader </a:t>
+            </a:r>
+            <a:r>
+              <a:rPr lang="sl-SI" dirty="0"/>
+              <a:t>tables.</a:t>
+            </a:r>
+          </a:p>
+          <a:p>
+            <a:r>
+              <a:rPr lang="en-US" dirty="0"/>
+              <a:t>2. Change the code written in question 1 to use a table variable instead of a </a:t>
+            </a:r>
+            <a:r>
+              <a:rPr lang="en-US" dirty="0" smtClean="0"/>
+              <a:t>temp</a:t>
+            </a:r>
+            <a:r>
+              <a:rPr lang="sl-SI" dirty="0" smtClean="0"/>
+              <a:t> table</a:t>
+            </a:r>
+            <a:r>
+              <a:rPr lang="sl-SI" dirty="0"/>
+              <a:t>.</a:t>
+            </a:r>
+          </a:p>
+          <a:p>
+            <a:r>
+              <a:rPr lang="en-US" dirty="0"/>
+              <a:t>3. Create a table variable with two integer columns, one of them an </a:t>
+            </a:r>
+            <a:r>
+              <a:rPr lang="en-US" dirty="0" smtClean="0"/>
+              <a:t>IDENTITY</a:t>
+            </a:r>
+            <a:r>
+              <a:rPr lang="sl-SI" dirty="0" smtClean="0"/>
+              <a:t> </a:t>
+            </a:r>
+            <a:r>
+              <a:rPr lang="en-US" dirty="0" smtClean="0"/>
+              <a:t>column</a:t>
+            </a:r>
+            <a:r>
+              <a:rPr lang="en-US" dirty="0"/>
+              <a:t>. Use a WHILE loop to populate the table with 1,000 random integers </a:t>
+            </a:r>
+            <a:r>
+              <a:rPr lang="en-US" dirty="0" smtClean="0"/>
+              <a:t>using</a:t>
+            </a:r>
+            <a:r>
+              <a:rPr lang="sl-SI" dirty="0" smtClean="0"/>
+              <a:t> </a:t>
+            </a:r>
+            <a:r>
+              <a:rPr lang="en-US" dirty="0" smtClean="0"/>
+              <a:t>the </a:t>
+            </a:r>
+            <a:r>
+              <a:rPr lang="en-US" dirty="0"/>
+              <a:t>following formula. Use a second WHILE loop to print the values from the </a:t>
+            </a:r>
+            <a:r>
+              <a:rPr lang="en-US" dirty="0" smtClean="0"/>
+              <a:t>table</a:t>
+            </a:r>
+            <a:r>
+              <a:rPr lang="sl-SI" dirty="0" smtClean="0"/>
+              <a:t> variable </a:t>
+            </a:r>
+            <a:r>
+              <a:rPr lang="sl-SI" dirty="0"/>
+              <a:t>one by one.</a:t>
+            </a:r>
+          </a:p>
+          <a:p>
+            <a:pPr marL="0" indent="0">
+              <a:buNone/>
+            </a:pPr>
+            <a:r>
+              <a:rPr lang="sl-SI" smtClean="0"/>
+              <a:t>    </a:t>
+            </a:r>
+            <a:r>
+              <a:rPr lang="en-US" smtClean="0"/>
+              <a:t>CAST(RAND</a:t>
+            </a:r>
+            <a:r>
+              <a:rPr lang="en-US" dirty="0"/>
+              <a:t>() * 10000 AS INT) + 1</a:t>
+            </a:r>
+            <a:endParaRPr lang="sl-SI" dirty="0"/>
+          </a:p>
+        </p:txBody>
+      </p:sp>
+    </p:spTree>
+    <p:extLst>
+      <p:ext uri="{BB962C8B-B14F-4D97-AF65-F5344CB8AC3E}">
+        <p14:creationId xmlns:p14="http://schemas.microsoft.com/office/powerpoint/2010/main" val="1790404731"/>
+      </p:ext>
+    </p:extLst>
+  </p:cSld>
+  <p:clrMapOvr>
+    <a:masterClrMapping/>
+  </p:clrMapOvr>
+</p:sld>
+</file>
+
 <file path=ppt/slides/slide2.xml><?xml version="1.0" encoding="utf-8"?>
 <p:sld xmlns:a="http://schemas.openxmlformats.org/drawingml/2006/main" xmlns:r="http://schemas.openxmlformats.org/officeDocument/2006/relationships" xmlns:p="http://schemas.openxmlformats.org/presentationml/2006/main">
   <p:cSld>
@@ -6647,7 +7681,6 @@
               <a:rPr lang="sl-SI" dirty="0"/>
               <a:t>Variables</a:t>
             </a:r>
-            <a:endParaRPr lang="sl-SI" dirty="0"/>
           </a:p>
         </p:txBody>
       </p:sp>
@@ -7297,7 +8330,6 @@
               <a:rPr lang="sl-SI" dirty="0"/>
               <a:t>The IF… ELSE Construct</a:t>
             </a:r>
-            <a:endParaRPr lang="sl-SI" dirty="0"/>
           </a:p>
         </p:txBody>
       </p:sp>
@@ -7433,7 +8465,6 @@
               <a:rPr lang="sl-SI" dirty="0"/>
               <a:t>Using ELSE</a:t>
             </a:r>
-            <a:endParaRPr lang="sl-SI" dirty="0"/>
           </a:p>
         </p:txBody>
       </p:sp>
@@ -7676,7 +8707,6 @@
               <a:rPr lang="sl-SI" dirty="0"/>
               <a:t>Using Multiple Conditions</a:t>
             </a:r>
-            <a:endParaRPr lang="sl-SI" dirty="0"/>
           </a:p>
         </p:txBody>
       </p:sp>
